--- a/outputs/figures/manuscript_figures/04_figure4.pptx
+++ b/outputs/figures/manuscript_figures/04_figure4.pptx
@@ -254,7 +254,7 @@
           <a:p>
             <a:fld id="{4762B47D-56A3-4A49-9568-0C219176BBE0}" type="datetimeFigureOut">
               <a:rPr lang="fr-CA" smtClean="0"/>
-              <a:t>2022-01-18</a:t>
+              <a:t>2022-01-19</a:t>
             </a:fld>
             <a:endParaRPr lang="fr-CA"/>
           </a:p>
@@ -424,7 +424,7 @@
           <a:p>
             <a:fld id="{4762B47D-56A3-4A49-9568-0C219176BBE0}" type="datetimeFigureOut">
               <a:rPr lang="fr-CA" smtClean="0"/>
-              <a:t>2022-01-18</a:t>
+              <a:t>2022-01-19</a:t>
             </a:fld>
             <a:endParaRPr lang="fr-CA"/>
           </a:p>
@@ -604,7 +604,7 @@
           <a:p>
             <a:fld id="{4762B47D-56A3-4A49-9568-0C219176BBE0}" type="datetimeFigureOut">
               <a:rPr lang="fr-CA" smtClean="0"/>
-              <a:t>2022-01-18</a:t>
+              <a:t>2022-01-19</a:t>
             </a:fld>
             <a:endParaRPr lang="fr-CA"/>
           </a:p>
@@ -774,7 +774,7 @@
           <a:p>
             <a:fld id="{4762B47D-56A3-4A49-9568-0C219176BBE0}" type="datetimeFigureOut">
               <a:rPr lang="fr-CA" smtClean="0"/>
-              <a:t>2022-01-18</a:t>
+              <a:t>2022-01-19</a:t>
             </a:fld>
             <a:endParaRPr lang="fr-CA"/>
           </a:p>
@@ -1020,7 +1020,7 @@
           <a:p>
             <a:fld id="{4762B47D-56A3-4A49-9568-0C219176BBE0}" type="datetimeFigureOut">
               <a:rPr lang="fr-CA" smtClean="0"/>
-              <a:t>2022-01-18</a:t>
+              <a:t>2022-01-19</a:t>
             </a:fld>
             <a:endParaRPr lang="fr-CA"/>
           </a:p>
@@ -1252,7 +1252,7 @@
           <a:p>
             <a:fld id="{4762B47D-56A3-4A49-9568-0C219176BBE0}" type="datetimeFigureOut">
               <a:rPr lang="fr-CA" smtClean="0"/>
-              <a:t>2022-01-18</a:t>
+              <a:t>2022-01-19</a:t>
             </a:fld>
             <a:endParaRPr lang="fr-CA"/>
           </a:p>
@@ -1619,7 +1619,7 @@
           <a:p>
             <a:fld id="{4762B47D-56A3-4A49-9568-0C219176BBE0}" type="datetimeFigureOut">
               <a:rPr lang="fr-CA" smtClean="0"/>
-              <a:t>2022-01-18</a:t>
+              <a:t>2022-01-19</a:t>
             </a:fld>
             <a:endParaRPr lang="fr-CA"/>
           </a:p>
@@ -1737,7 +1737,7 @@
           <a:p>
             <a:fld id="{4762B47D-56A3-4A49-9568-0C219176BBE0}" type="datetimeFigureOut">
               <a:rPr lang="fr-CA" smtClean="0"/>
-              <a:t>2022-01-18</a:t>
+              <a:t>2022-01-19</a:t>
             </a:fld>
             <a:endParaRPr lang="fr-CA"/>
           </a:p>
@@ -1832,7 +1832,7 @@
           <a:p>
             <a:fld id="{4762B47D-56A3-4A49-9568-0C219176BBE0}" type="datetimeFigureOut">
               <a:rPr lang="fr-CA" smtClean="0"/>
-              <a:t>2022-01-18</a:t>
+              <a:t>2022-01-19</a:t>
             </a:fld>
             <a:endParaRPr lang="fr-CA"/>
           </a:p>
@@ -2109,7 +2109,7 @@
           <a:p>
             <a:fld id="{4762B47D-56A3-4A49-9568-0C219176BBE0}" type="datetimeFigureOut">
               <a:rPr lang="fr-CA" smtClean="0"/>
-              <a:t>2022-01-18</a:t>
+              <a:t>2022-01-19</a:t>
             </a:fld>
             <a:endParaRPr lang="fr-CA"/>
           </a:p>
@@ -2362,7 +2362,7 @@
           <a:p>
             <a:fld id="{4762B47D-56A3-4A49-9568-0C219176BBE0}" type="datetimeFigureOut">
               <a:rPr lang="fr-CA" smtClean="0"/>
-              <a:t>2022-01-18</a:t>
+              <a:t>2022-01-19</a:t>
             </a:fld>
             <a:endParaRPr lang="fr-CA"/>
           </a:p>
@@ -2575,7 +2575,7 @@
           <a:p>
             <a:fld id="{4762B47D-56A3-4A49-9568-0C219176BBE0}" type="datetimeFigureOut">
               <a:rPr lang="fr-CA" smtClean="0"/>
-              <a:t>2022-01-18</a:t>
+              <a:t>2022-01-19</a:t>
             </a:fld>
             <a:endParaRPr lang="fr-CA"/>
           </a:p>
@@ -3150,7 +3150,7 @@
               </p:nvSpPr>
               <p:spPr>
                 <a:xfrm>
-                  <a:off x="1020318" y="3314271"/>
+                  <a:off x="1020318" y="3331205"/>
                   <a:ext cx="1612800" cy="277200"/>
                 </a:xfrm>
                 <a:prstGeom prst="rect">
@@ -3268,7 +3268,7 @@
               </p:nvSpPr>
               <p:spPr>
                 <a:xfrm>
-                  <a:off x="4781007" y="3319271"/>
+                  <a:off x="4881235" y="3334893"/>
                   <a:ext cx="2019634" cy="277200"/>
                 </a:xfrm>
                 <a:prstGeom prst="rect">
@@ -3402,7 +3402,7 @@
               </p:nvSpPr>
               <p:spPr>
                 <a:xfrm>
-                  <a:off x="9133160" y="3314427"/>
+                  <a:off x="9133160" y="3331361"/>
                   <a:ext cx="1612800" cy="277200"/>
                 </a:xfrm>
                 <a:prstGeom prst="rect">
@@ -3453,7 +3453,7 @@
               </p:nvSpPr>
               <p:spPr>
                 <a:xfrm rot="16200000">
-                  <a:off x="6958232" y="1796763"/>
+                  <a:off x="6958232" y="1737362"/>
                   <a:ext cx="1836000" cy="276999"/>
                 </a:xfrm>
                 <a:prstGeom prst="rect">
@@ -3541,7 +3541,7 @@
               </p:nvSpPr>
               <p:spPr>
                 <a:xfrm rot="16200000">
-                  <a:off x="-1151507" y="5019980"/>
+                  <a:off x="-1151696" y="4976557"/>
                   <a:ext cx="1836031" cy="277200"/>
                 </a:xfrm>
                 <a:prstGeom prst="rect">
@@ -3636,7 +3636,7 @@
               </p:nvSpPr>
               <p:spPr>
                 <a:xfrm rot="16200000">
-                  <a:off x="3037410" y="5042504"/>
+                  <a:off x="3037717" y="5017456"/>
                   <a:ext cx="1669119" cy="277200"/>
                 </a:xfrm>
                 <a:prstGeom prst="rect">
@@ -3738,7 +3738,7 @@
               </p:nvSpPr>
               <p:spPr>
                 <a:xfrm rot="16200000">
-                  <a:off x="7054143" y="5042503"/>
+                  <a:off x="7053699" y="5042504"/>
                   <a:ext cx="1669119" cy="277200"/>
                 </a:xfrm>
                 <a:prstGeom prst="rect">

--- a/outputs/figures/manuscript_figures/04_figure4.pptx
+++ b/outputs/figures/manuscript_figures/04_figure4.pptx
@@ -107,12 +107,12 @@
   <p:extLst>
     <p:ext uri="{EFAFB233-063F-42B5-8137-9DF3F51BA10A}">
       <p15:sldGuideLst xmlns:p15="http://schemas.microsoft.com/office/powerpoint/2012/main">
-        <p15:guide id="1" orient="horz" pos="1911" userDrawn="1">
+        <p15:guide id="1" orient="horz" pos="2092" userDrawn="1">
           <p15:clr>
             <a:srgbClr val="A4A3A4"/>
           </p15:clr>
         </p15:guide>
-        <p15:guide id="2" pos="5518" userDrawn="1">
+        <p15:guide id="2" pos="5609" userDrawn="1">
           <p15:clr>
             <a:srgbClr val="A4A3A4"/>
           </p15:clr>
@@ -2982,146 +2982,816 @@
       </p:grpSpPr>
       <p:grpSp>
         <p:nvGrpSpPr>
-          <p:cNvPr id="31" name="Group 30"/>
+          <p:cNvPr id="11" name="Group 10"/>
           <p:cNvGrpSpPr/>
           <p:nvPr/>
         </p:nvGrpSpPr>
         <p:grpSpPr>
           <a:xfrm>
-            <a:off x="485355" y="-51371"/>
-            <a:ext cx="13212711" cy="6453801"/>
-            <a:chOff x="485355" y="-51371"/>
-            <a:chExt cx="13212711" cy="6453801"/>
+            <a:off x="463529" y="-135154"/>
+            <a:ext cx="13234537" cy="6569983"/>
+            <a:chOff x="463529" y="-135154"/>
+            <a:chExt cx="13234537" cy="6569983"/>
           </a:xfrm>
         </p:grpSpPr>
         <p:grpSp>
           <p:nvGrpSpPr>
-            <p:cNvPr id="27" name="Group 26"/>
+            <p:cNvPr id="31" name="Group 30"/>
             <p:cNvGrpSpPr/>
             <p:nvPr/>
           </p:nvGrpSpPr>
           <p:grpSpPr>
             <a:xfrm>
-              <a:off x="485355" y="-51371"/>
-              <a:ext cx="13212711" cy="6453801"/>
-              <a:chOff x="-876778" y="371475"/>
-              <a:chExt cx="13212711" cy="6453801"/>
+              <a:off x="463529" y="-135154"/>
+              <a:ext cx="13234537" cy="6569983"/>
+              <a:chOff x="463529" y="-135154"/>
+              <a:chExt cx="13234537" cy="6569983"/>
             </a:xfrm>
           </p:grpSpPr>
           <p:grpSp>
             <p:nvGrpSpPr>
-              <p:cNvPr id="23" name="Group 22"/>
+              <p:cNvPr id="27" name="Group 26"/>
               <p:cNvGrpSpPr/>
               <p:nvPr/>
             </p:nvGrpSpPr>
             <p:grpSpPr>
               <a:xfrm>
-                <a:off x="-876778" y="371475"/>
-                <a:ext cx="13212711" cy="6453801"/>
-                <a:chOff x="-377244" y="371475"/>
-                <a:chExt cx="13212711" cy="6453801"/>
+                <a:off x="463529" y="-135154"/>
+                <a:ext cx="13234537" cy="6569983"/>
+                <a:chOff x="-898604" y="287692"/>
+                <a:chExt cx="13234537" cy="6569983"/>
               </a:xfrm>
             </p:grpSpPr>
-            <p:sp>
-              <p:nvSpPr>
-                <p:cNvPr id="16" name="Rectangle 15"/>
-                <p:cNvSpPr/>
+            <p:grpSp>
+              <p:nvGrpSpPr>
+                <p:cNvPr id="23" name="Group 22"/>
+                <p:cNvGrpSpPr/>
                 <p:nvPr/>
-              </p:nvSpPr>
-              <p:spPr>
+              </p:nvGrpSpPr>
+              <p:grpSpPr>
                 <a:xfrm>
-                  <a:off x="-377244" y="371475"/>
-                  <a:ext cx="13212711" cy="6453600"/>
+                  <a:off x="-898604" y="287692"/>
+                  <a:ext cx="13234537" cy="6569983"/>
+                  <a:chOff x="-399070" y="287692"/>
+                  <a:chExt cx="13234537" cy="6569983"/>
                 </a:xfrm>
-                <a:prstGeom prst="rect">
-                  <a:avLst/>
-                </a:prstGeom>
-                <a:solidFill>
-                  <a:schemeClr val="bg1"/>
-                </a:solidFill>
-                <a:ln>
+              </p:grpSpPr>
+              <p:sp>
+                <p:nvSpPr>
+                  <p:cNvPr id="16" name="Rectangle 15"/>
+                  <p:cNvSpPr/>
+                  <p:nvPr/>
+                </p:nvSpPr>
+                <p:spPr>
+                  <a:xfrm>
+                    <a:off x="-377244" y="287692"/>
+                    <a:ext cx="13212711" cy="6537383"/>
+                  </a:xfrm>
+                  <a:prstGeom prst="rect">
+                    <a:avLst/>
+                  </a:prstGeom>
                   <a:solidFill>
                     <a:schemeClr val="bg1"/>
                   </a:solidFill>
-                </a:ln>
-              </p:spPr>
-              <p:style>
-                <a:lnRef idx="2">
-                  <a:schemeClr val="accent1">
-                    <a:shade val="50000"/>
-                  </a:schemeClr>
-                </a:lnRef>
-                <a:fillRef idx="1">
-                  <a:schemeClr val="accent1"/>
-                </a:fillRef>
-                <a:effectRef idx="0">
-                  <a:schemeClr val="accent1"/>
-                </a:effectRef>
-                <a:fontRef idx="minor">
-                  <a:schemeClr val="lt1"/>
-                </a:fontRef>
-              </p:style>
-              <p:txBody>
-                <a:bodyPr rtlCol="0" anchor="ctr"/>
-                <a:lstStyle/>
-                <a:p>
-                  <a:pPr algn="ctr"/>
-                  <a:endParaRPr lang="fr-CA"/>
-                </a:p>
-              </p:txBody>
-            </p:sp>
+                  <a:ln>
+                    <a:solidFill>
+                      <a:schemeClr val="bg1"/>
+                    </a:solidFill>
+                  </a:ln>
+                </p:spPr>
+                <p:style>
+                  <a:lnRef idx="2">
+                    <a:schemeClr val="accent1">
+                      <a:shade val="50000"/>
+                    </a:schemeClr>
+                  </a:lnRef>
+                  <a:fillRef idx="1">
+                    <a:schemeClr val="accent1"/>
+                  </a:fillRef>
+                  <a:effectRef idx="0">
+                    <a:schemeClr val="accent1"/>
+                  </a:effectRef>
+                  <a:fontRef idx="minor">
+                    <a:schemeClr val="lt1"/>
+                  </a:fontRef>
+                </p:style>
+                <p:txBody>
+                  <a:bodyPr rtlCol="0" anchor="ctr"/>
+                  <a:lstStyle/>
+                  <a:p>
+                    <a:pPr algn="ctr"/>
+                    <a:endParaRPr lang="fr-CA"/>
+                  </a:p>
+                </p:txBody>
+              </p:sp>
+              <p:pic>
+                <p:nvPicPr>
+                  <p:cNvPr id="2" name="Picture 1"/>
+                  <p:cNvPicPr>
+                    <a:picLocks noChangeAspect="1"/>
+                  </p:cNvPicPr>
+                  <p:nvPr/>
+                </p:nvPicPr>
+                <p:blipFill rotWithShape="1">
+                  <a:blip r:embed="rId2"/>
+                  <a:srcRect l="62406" r="6169" b="49596"/>
+                  <a:stretch/>
+                </p:blipFill>
+                <p:spPr>
+                  <a:xfrm>
+                    <a:off x="7981160" y="473551"/>
+                    <a:ext cx="3916800" cy="2804623"/>
+                  </a:xfrm>
+                  <a:prstGeom prst="rect">
+                    <a:avLst/>
+                  </a:prstGeom>
+                </p:spPr>
+              </p:pic>
+              <p:pic>
+                <p:nvPicPr>
+                  <p:cNvPr id="4" name="Picture 3"/>
+                  <p:cNvPicPr>
+                    <a:picLocks noChangeAspect="1"/>
+                  </p:cNvPicPr>
+                  <p:nvPr/>
+                </p:nvPicPr>
+                <p:blipFill rotWithShape="1">
+                  <a:blip r:embed="rId2"/>
+                  <a:srcRect r="68466" b="49527"/>
+                  <a:stretch/>
+                </p:blipFill>
+                <p:spPr>
+                  <a:xfrm>
+                    <a:off x="-134848" y="463436"/>
+                    <a:ext cx="3916757" cy="2807623"/>
+                  </a:xfrm>
+                  <a:prstGeom prst="rect">
+                    <a:avLst/>
+                  </a:prstGeom>
+                  <a:ln>
+                    <a:noFill/>
+                  </a:ln>
+                </p:spPr>
+              </p:pic>
+              <p:pic>
+                <p:nvPicPr>
+                  <p:cNvPr id="15" name="Picture 14"/>
+                  <p:cNvPicPr>
+                    <a:picLocks noChangeAspect="1"/>
+                  </p:cNvPicPr>
+                  <p:nvPr/>
+                </p:nvPicPr>
+                <p:blipFill rotWithShape="1">
+                  <a:blip r:embed="rId3"/>
+                  <a:srcRect l="191" t="50338" r="68258"/>
+                  <a:stretch/>
+                </p:blipFill>
+                <p:spPr>
+                  <a:xfrm>
+                    <a:off x="-134848" y="3789363"/>
+                    <a:ext cx="3916800" cy="2783487"/>
+                  </a:xfrm>
+                  <a:prstGeom prst="rect">
+                    <a:avLst/>
+                  </a:prstGeom>
+                </p:spPr>
+              </p:pic>
+              <p:sp>
+                <p:nvSpPr>
+                  <p:cNvPr id="5" name="TextBox 4"/>
+                  <p:cNvSpPr txBox="1"/>
+                  <p:nvPr/>
+                </p:nvSpPr>
+                <p:spPr>
+                  <a:xfrm>
+                    <a:off x="1020318" y="3331205"/>
+                    <a:ext cx="1612800" cy="307777"/>
+                  </a:xfrm>
+                  <a:prstGeom prst="rect">
+                    <a:avLst/>
+                  </a:prstGeom>
+                  <a:noFill/>
+                </p:spPr>
+                <p:txBody>
+                  <a:bodyPr wrap="square" rtlCol="0">
+                    <a:spAutoFit/>
+                  </a:bodyPr>
+                  <a:lstStyle/>
+                  <a:p>
+                    <a:pPr algn="ctr"/>
+                    <a:r>
+                      <a:rPr lang="fr-CA" sz="1400" dirty="0" smtClean="0">
+                        <a:latin typeface="Arial" panose="020B0604020202020204" pitchFamily="34" charset="0"/>
+                        <a:cs typeface="Arial" panose="020B0604020202020204" pitchFamily="34" charset="0"/>
+                      </a:rPr>
+                      <a:t>Prey </a:t>
+                    </a:r>
+                    <a:r>
+                      <a:rPr lang="fr-CA" sz="1400" dirty="0" err="1" smtClean="0">
+                        <a:latin typeface="Arial" panose="020B0604020202020204" pitchFamily="34" charset="0"/>
+                        <a:cs typeface="Arial" panose="020B0604020202020204" pitchFamily="34" charset="0"/>
+                      </a:rPr>
+                      <a:t>travel</a:t>
+                    </a:r>
+                    <a:r>
+                      <a:rPr lang="fr-CA" sz="1400" dirty="0" smtClean="0">
+                        <a:latin typeface="Arial" panose="020B0604020202020204" pitchFamily="34" charset="0"/>
+                        <a:cs typeface="Arial" panose="020B0604020202020204" pitchFamily="34" charset="0"/>
+                      </a:rPr>
+                      <a:t> speed</a:t>
+                    </a:r>
+                    <a:endParaRPr lang="fr-CA" sz="1400" dirty="0">
+                      <a:latin typeface="Arial" panose="020B0604020202020204" pitchFamily="34" charset="0"/>
+                      <a:cs typeface="Arial" panose="020B0604020202020204" pitchFamily="34" charset="0"/>
+                    </a:endParaRPr>
+                  </a:p>
+                </p:txBody>
+              </p:sp>
+              <p:sp>
+                <p:nvSpPr>
+                  <p:cNvPr id="6" name="TextBox 5"/>
+                  <p:cNvSpPr txBox="1"/>
+                  <p:nvPr/>
+                </p:nvSpPr>
+                <p:spPr>
+                  <a:xfrm rot="16200000">
+                    <a:off x="-871581" y="1695793"/>
+                    <a:ext cx="1252800" cy="307777"/>
+                  </a:xfrm>
+                  <a:prstGeom prst="rect">
+                    <a:avLst/>
+                  </a:prstGeom>
+                  <a:noFill/>
+                </p:spPr>
+                <p:txBody>
+                  <a:bodyPr wrap="square" rtlCol="0">
+                    <a:spAutoFit/>
+                  </a:bodyPr>
+                  <a:lstStyle/>
+                  <a:p>
+                    <a:pPr algn="ctr"/>
+                    <a:r>
+                      <a:rPr lang="fr-CA" sz="1400" dirty="0" smtClean="0">
+                        <a:latin typeface="Arial" panose="020B0604020202020204" pitchFamily="34" charset="0"/>
+                        <a:cs typeface="Arial" panose="020B0604020202020204" pitchFamily="34" charset="0"/>
+                      </a:rPr>
+                      <a:t>Travel speed</a:t>
+                    </a:r>
+                    <a:endParaRPr lang="fr-CA" sz="1400" dirty="0">
+                      <a:latin typeface="Arial" panose="020B0604020202020204" pitchFamily="34" charset="0"/>
+                      <a:cs typeface="Arial" panose="020B0604020202020204" pitchFamily="34" charset="0"/>
+                    </a:endParaRPr>
+                  </a:p>
+                </p:txBody>
+              </p:sp>
+              <p:pic>
+                <p:nvPicPr>
+                  <p:cNvPr id="14" name="Picture 13"/>
+                  <p:cNvPicPr>
+                    <a:picLocks noChangeAspect="1"/>
+                  </p:cNvPicPr>
+                  <p:nvPr/>
+                </p:nvPicPr>
+                <p:blipFill rotWithShape="1">
+                  <a:blip r:embed="rId3"/>
+                  <a:srcRect l="32199" r="37837" b="49737"/>
+                  <a:stretch/>
+                </p:blipFill>
+                <p:spPr>
+                  <a:xfrm>
+                    <a:off x="3922835" y="441581"/>
+                    <a:ext cx="3916800" cy="2836593"/>
+                  </a:xfrm>
+                  <a:prstGeom prst="rect">
+                    <a:avLst/>
+                  </a:prstGeom>
+                </p:spPr>
+              </p:pic>
+              <p:sp>
+                <p:nvSpPr>
+                  <p:cNvPr id="7" name="TextBox 6"/>
+                  <p:cNvSpPr txBox="1"/>
+                  <p:nvPr/>
+                </p:nvSpPr>
+                <p:spPr>
+                  <a:xfrm>
+                    <a:off x="4669174" y="3334893"/>
+                    <a:ext cx="2443757" cy="309600"/>
+                  </a:xfrm>
+                  <a:prstGeom prst="rect">
+                    <a:avLst/>
+                  </a:prstGeom>
+                  <a:noFill/>
+                </p:spPr>
+                <p:txBody>
+                  <a:bodyPr wrap="square" rtlCol="0">
+                    <a:spAutoFit/>
+                  </a:bodyPr>
+                  <a:lstStyle/>
+                  <a:p>
+                    <a:pPr algn="ctr"/>
+                    <a:r>
+                      <a:rPr lang="fr-CA" sz="1400" dirty="0" smtClean="0">
+                        <a:latin typeface="Arial" panose="020B0604020202020204" pitchFamily="34" charset="0"/>
+                        <a:cs typeface="Arial" panose="020B0604020202020204" pitchFamily="34" charset="0"/>
+                      </a:rPr>
+                      <a:t>Prey rate of space </a:t>
+                    </a:r>
+                    <a:r>
+                      <a:rPr lang="fr-CA" sz="1400" dirty="0" err="1" smtClean="0">
+                        <a:latin typeface="Arial" panose="020B0604020202020204" pitchFamily="34" charset="0"/>
+                        <a:cs typeface="Arial" panose="020B0604020202020204" pitchFamily="34" charset="0"/>
+                      </a:rPr>
+                      <a:t>covered</a:t>
+                    </a:r>
+                    <a:endParaRPr lang="fr-CA" sz="1400" dirty="0">
+                      <a:latin typeface="Arial" panose="020B0604020202020204" pitchFamily="34" charset="0"/>
+                      <a:cs typeface="Arial" panose="020B0604020202020204" pitchFamily="34" charset="0"/>
+                    </a:endParaRPr>
+                  </a:p>
+                </p:txBody>
+              </p:sp>
+              <p:sp>
+                <p:nvSpPr>
+                  <p:cNvPr id="8" name="TextBox 7"/>
+                  <p:cNvSpPr txBox="1"/>
+                  <p:nvPr/>
+                </p:nvSpPr>
+                <p:spPr>
+                  <a:xfrm rot="16200000">
+                    <a:off x="3238348" y="1702431"/>
+                    <a:ext cx="1254034" cy="307777"/>
+                  </a:xfrm>
+                  <a:prstGeom prst="rect">
+                    <a:avLst/>
+                  </a:prstGeom>
+                  <a:noFill/>
+                </p:spPr>
+                <p:txBody>
+                  <a:bodyPr wrap="square" rtlCol="0">
+                    <a:spAutoFit/>
+                  </a:bodyPr>
+                  <a:lstStyle/>
+                  <a:p>
+                    <a:pPr algn="ctr"/>
+                    <a:r>
+                      <a:rPr lang="fr-CA" sz="1400" dirty="0" smtClean="0">
+                        <a:latin typeface="Arial" panose="020B0604020202020204" pitchFamily="34" charset="0"/>
+                        <a:cs typeface="Arial" panose="020B0604020202020204" pitchFamily="34" charset="0"/>
+                      </a:rPr>
+                      <a:t>Travel speed</a:t>
+                    </a:r>
+                    <a:endParaRPr lang="fr-CA" sz="1400" dirty="0">
+                      <a:latin typeface="Arial" panose="020B0604020202020204" pitchFamily="34" charset="0"/>
+                      <a:cs typeface="Arial" panose="020B0604020202020204" pitchFamily="34" charset="0"/>
+                    </a:endParaRPr>
+                  </a:p>
+                </p:txBody>
+              </p:sp>
+              <p:pic>
+                <p:nvPicPr>
+                  <p:cNvPr id="17" name="Picture 16"/>
+                  <p:cNvPicPr>
+                    <a:picLocks noChangeAspect="1"/>
+                  </p:cNvPicPr>
+                  <p:nvPr/>
+                </p:nvPicPr>
+                <p:blipFill rotWithShape="1">
+                  <a:blip r:embed="rId3"/>
+                  <a:srcRect l="32200" t="50338" r="38083"/>
+                  <a:stretch/>
+                </p:blipFill>
+                <p:spPr>
+                  <a:xfrm>
+                    <a:off x="3922834" y="3789361"/>
+                    <a:ext cx="3916800" cy="2783489"/>
+                  </a:xfrm>
+                  <a:prstGeom prst="rect">
+                    <a:avLst/>
+                  </a:prstGeom>
+                </p:spPr>
+              </p:pic>
+              <p:pic>
+                <p:nvPicPr>
+                  <p:cNvPr id="18" name="Picture 17"/>
+                  <p:cNvPicPr>
+                    <a:picLocks noChangeAspect="1"/>
+                  </p:cNvPicPr>
+                  <p:nvPr/>
+                </p:nvPicPr>
+                <p:blipFill rotWithShape="1">
+                  <a:blip r:embed="rId3"/>
+                  <a:srcRect l="62452" t="50324" r="6150" b="1015"/>
+                  <a:stretch/>
+                </p:blipFill>
+                <p:spPr>
+                  <a:xfrm>
+                    <a:off x="7982171" y="3789361"/>
+                    <a:ext cx="3916800" cy="2738439"/>
+                  </a:xfrm>
+                  <a:prstGeom prst="rect">
+                    <a:avLst/>
+                  </a:prstGeom>
+                </p:spPr>
+              </p:pic>
+              <p:sp>
+                <p:nvSpPr>
+                  <p:cNvPr id="9" name="TextBox 8"/>
+                  <p:cNvSpPr txBox="1"/>
+                  <p:nvPr/>
+                </p:nvSpPr>
+                <p:spPr>
+                  <a:xfrm>
+                    <a:off x="9133160" y="3331361"/>
+                    <a:ext cx="1612800" cy="307777"/>
+                  </a:xfrm>
+                  <a:prstGeom prst="rect">
+                    <a:avLst/>
+                  </a:prstGeom>
+                  <a:noFill/>
+                </p:spPr>
+                <p:txBody>
+                  <a:bodyPr wrap="square" rtlCol="0">
+                    <a:spAutoFit/>
+                  </a:bodyPr>
+                  <a:lstStyle/>
+                  <a:p>
+                    <a:pPr algn="ctr"/>
+                    <a:r>
+                      <a:rPr lang="fr-CA" sz="1400" dirty="0" smtClean="0">
+                        <a:latin typeface="Arial" panose="020B0604020202020204" pitchFamily="34" charset="0"/>
+                        <a:cs typeface="Arial" panose="020B0604020202020204" pitchFamily="34" charset="0"/>
+                      </a:rPr>
+                      <a:t>Prey </a:t>
+                    </a:r>
+                    <a:r>
+                      <a:rPr lang="fr-CA" sz="1400" dirty="0" err="1" smtClean="0">
+                        <a:latin typeface="Arial" panose="020B0604020202020204" pitchFamily="34" charset="0"/>
+                        <a:cs typeface="Arial" panose="020B0604020202020204" pitchFamily="34" charset="0"/>
+                      </a:rPr>
+                      <a:t>travel</a:t>
+                    </a:r>
+                    <a:r>
+                      <a:rPr lang="fr-CA" sz="1400" dirty="0" smtClean="0">
+                        <a:latin typeface="Arial" panose="020B0604020202020204" pitchFamily="34" charset="0"/>
+                        <a:cs typeface="Arial" panose="020B0604020202020204" pitchFamily="34" charset="0"/>
+                      </a:rPr>
+                      <a:t> speed</a:t>
+                    </a:r>
+                    <a:endParaRPr lang="fr-CA" sz="1400" dirty="0">
+                      <a:latin typeface="Arial" panose="020B0604020202020204" pitchFamily="34" charset="0"/>
+                      <a:cs typeface="Arial" panose="020B0604020202020204" pitchFamily="34" charset="0"/>
+                    </a:endParaRPr>
+                  </a:p>
+                </p:txBody>
+              </p:sp>
+              <p:sp>
+                <p:nvSpPr>
+                  <p:cNvPr id="10" name="TextBox 9"/>
+                  <p:cNvSpPr txBox="1"/>
+                  <p:nvPr/>
+                </p:nvSpPr>
+                <p:spPr>
+                  <a:xfrm rot="16200000">
+                    <a:off x="6649859" y="1721062"/>
+                    <a:ext cx="2444400" cy="309600"/>
+                  </a:xfrm>
+                  <a:prstGeom prst="rect">
+                    <a:avLst/>
+                  </a:prstGeom>
+                  <a:noFill/>
+                </p:spPr>
+                <p:txBody>
+                  <a:bodyPr wrap="square" rtlCol="0">
+                    <a:spAutoFit/>
+                  </a:bodyPr>
+                  <a:lstStyle/>
+                  <a:p>
+                    <a:pPr algn="ctr"/>
+                    <a:r>
+                      <a:rPr lang="fr-CA" sz="1400" dirty="0" smtClean="0">
+                        <a:latin typeface="Arial" panose="020B0604020202020204" pitchFamily="34" charset="0"/>
+                        <a:cs typeface="Arial" panose="020B0604020202020204" pitchFamily="34" charset="0"/>
+                      </a:rPr>
+                      <a:t>Rate of space </a:t>
+                    </a:r>
+                    <a:r>
+                      <a:rPr lang="fr-CA" sz="1400" dirty="0" err="1" smtClean="0">
+                        <a:latin typeface="Arial" panose="020B0604020202020204" pitchFamily="34" charset="0"/>
+                        <a:cs typeface="Arial" panose="020B0604020202020204" pitchFamily="34" charset="0"/>
+                      </a:rPr>
+                      <a:t>covered</a:t>
+                    </a:r>
+                    <a:endParaRPr lang="fr-CA" sz="1400" dirty="0">
+                      <a:latin typeface="Arial" panose="020B0604020202020204" pitchFamily="34" charset="0"/>
+                      <a:cs typeface="Arial" panose="020B0604020202020204" pitchFamily="34" charset="0"/>
+                    </a:endParaRPr>
+                  </a:p>
+                </p:txBody>
+              </p:sp>
+              <p:sp>
+                <p:nvSpPr>
+                  <p:cNvPr id="12" name="TextBox 11"/>
+                  <p:cNvSpPr txBox="1"/>
+                  <p:nvPr/>
+                </p:nvSpPr>
+                <p:spPr>
+                  <a:xfrm>
+                    <a:off x="601330" y="6546252"/>
+                    <a:ext cx="2444400" cy="309600"/>
+                  </a:xfrm>
+                  <a:prstGeom prst="rect">
+                    <a:avLst/>
+                  </a:prstGeom>
+                  <a:noFill/>
+                </p:spPr>
+                <p:txBody>
+                  <a:bodyPr wrap="square" rtlCol="0">
+                    <a:spAutoFit/>
+                  </a:bodyPr>
+                  <a:lstStyle/>
+                  <a:p>
+                    <a:pPr algn="ctr"/>
+                    <a:r>
+                      <a:rPr lang="fr-CA" sz="1400" dirty="0" smtClean="0">
+                        <a:latin typeface="Arial" panose="020B0604020202020204" pitchFamily="34" charset="0"/>
+                        <a:cs typeface="Arial" panose="020B0604020202020204" pitchFamily="34" charset="0"/>
+                      </a:rPr>
+                      <a:t>Prey rate of space </a:t>
+                    </a:r>
+                    <a:r>
+                      <a:rPr lang="fr-CA" sz="1400" dirty="0" err="1" smtClean="0">
+                        <a:latin typeface="Arial" panose="020B0604020202020204" pitchFamily="34" charset="0"/>
+                        <a:cs typeface="Arial" panose="020B0604020202020204" pitchFamily="34" charset="0"/>
+                      </a:rPr>
+                      <a:t>covered</a:t>
+                    </a:r>
+                    <a:endParaRPr lang="fr-CA" sz="1400" dirty="0">
+                      <a:latin typeface="Arial" panose="020B0604020202020204" pitchFamily="34" charset="0"/>
+                      <a:cs typeface="Arial" panose="020B0604020202020204" pitchFamily="34" charset="0"/>
+                    </a:endParaRPr>
+                  </a:p>
+                </p:txBody>
+              </p:sp>
+              <p:sp>
+                <p:nvSpPr>
+                  <p:cNvPr id="13" name="TextBox 12"/>
+                  <p:cNvSpPr txBox="1"/>
+                  <p:nvPr/>
+                </p:nvSpPr>
+                <p:spPr>
+                  <a:xfrm rot="16200000">
+                    <a:off x="-1464634" y="4925513"/>
+                    <a:ext cx="2444400" cy="309600"/>
+                  </a:xfrm>
+                  <a:prstGeom prst="rect">
+                    <a:avLst/>
+                  </a:prstGeom>
+                  <a:noFill/>
+                </p:spPr>
+                <p:txBody>
+                  <a:bodyPr wrap="square" rtlCol="0">
+                    <a:spAutoFit/>
+                  </a:bodyPr>
+                  <a:lstStyle/>
+                  <a:p>
+                    <a:pPr algn="ctr"/>
+                    <a:r>
+                      <a:rPr lang="fr-CA" sz="1400" dirty="0" smtClean="0">
+                        <a:latin typeface="Arial" panose="020B0604020202020204" pitchFamily="34" charset="0"/>
+                        <a:cs typeface="Arial" panose="020B0604020202020204" pitchFamily="34" charset="0"/>
+                      </a:rPr>
+                      <a:t>Rate of space </a:t>
+                    </a:r>
+                    <a:r>
+                      <a:rPr lang="fr-CA" sz="1400" dirty="0" err="1" smtClean="0">
+                        <a:latin typeface="Arial" panose="020B0604020202020204" pitchFamily="34" charset="0"/>
+                        <a:cs typeface="Arial" panose="020B0604020202020204" pitchFamily="34" charset="0"/>
+                      </a:rPr>
+                      <a:t>covered</a:t>
+                    </a:r>
+                    <a:endParaRPr lang="fr-CA" sz="1400" dirty="0">
+                      <a:latin typeface="Arial" panose="020B0604020202020204" pitchFamily="34" charset="0"/>
+                      <a:cs typeface="Arial" panose="020B0604020202020204" pitchFamily="34" charset="0"/>
+                    </a:endParaRPr>
+                  </a:p>
+                </p:txBody>
+              </p:sp>
+              <p:sp>
+                <p:nvSpPr>
+                  <p:cNvPr id="19" name="TextBox 18"/>
+                  <p:cNvSpPr txBox="1"/>
+                  <p:nvPr/>
+                </p:nvSpPr>
+                <p:spPr>
+                  <a:xfrm>
+                    <a:off x="5084652" y="6548075"/>
+                    <a:ext cx="1612800" cy="307777"/>
+                  </a:xfrm>
+                  <a:prstGeom prst="rect">
+                    <a:avLst/>
+                  </a:prstGeom>
+                  <a:noFill/>
+                </p:spPr>
+                <p:txBody>
+                  <a:bodyPr wrap="square" rtlCol="0">
+                    <a:spAutoFit/>
+                  </a:bodyPr>
+                  <a:lstStyle/>
+                  <a:p>
+                    <a:pPr algn="ctr"/>
+                    <a:r>
+                      <a:rPr lang="fr-CA" sz="1400" dirty="0" smtClean="0">
+                        <a:latin typeface="Arial" panose="020B0604020202020204" pitchFamily="34" charset="0"/>
+                        <a:cs typeface="Arial" panose="020B0604020202020204" pitchFamily="34" charset="0"/>
+                      </a:rPr>
+                      <a:t>Prey </a:t>
+                    </a:r>
+                    <a:r>
+                      <a:rPr lang="fr-CA" sz="1400" dirty="0" err="1" smtClean="0">
+                        <a:latin typeface="Arial" panose="020B0604020202020204" pitchFamily="34" charset="0"/>
+                        <a:cs typeface="Arial" panose="020B0604020202020204" pitchFamily="34" charset="0"/>
+                      </a:rPr>
+                      <a:t>travel</a:t>
+                    </a:r>
+                    <a:r>
+                      <a:rPr lang="fr-CA" sz="1400" dirty="0" smtClean="0">
+                        <a:latin typeface="Arial" panose="020B0604020202020204" pitchFamily="34" charset="0"/>
+                        <a:cs typeface="Arial" panose="020B0604020202020204" pitchFamily="34" charset="0"/>
+                      </a:rPr>
+                      <a:t> speed</a:t>
+                    </a:r>
+                    <a:endParaRPr lang="fr-CA" sz="1400" dirty="0">
+                      <a:latin typeface="Arial" panose="020B0604020202020204" pitchFamily="34" charset="0"/>
+                      <a:cs typeface="Arial" panose="020B0604020202020204" pitchFamily="34" charset="0"/>
+                    </a:endParaRPr>
+                  </a:p>
+                </p:txBody>
+              </p:sp>
+              <p:sp>
+                <p:nvSpPr>
+                  <p:cNvPr id="20" name="TextBox 19"/>
+                  <p:cNvSpPr txBox="1"/>
+                  <p:nvPr/>
+                </p:nvSpPr>
+                <p:spPr>
+                  <a:xfrm rot="16200000">
+                    <a:off x="2961389" y="4967389"/>
+                    <a:ext cx="1836031" cy="309600"/>
+                  </a:xfrm>
+                  <a:prstGeom prst="rect">
+                    <a:avLst/>
+                  </a:prstGeom>
+                  <a:noFill/>
+                </p:spPr>
+                <p:txBody>
+                  <a:bodyPr wrap="square" rtlCol="0">
+                    <a:spAutoFit/>
+                  </a:bodyPr>
+                  <a:lstStyle/>
+                  <a:p>
+                    <a:pPr algn="ctr"/>
+                    <a:r>
+                      <a:rPr lang="fr-CA" sz="1400" dirty="0" smtClean="0">
+                        <a:latin typeface="Arial" panose="020B0604020202020204" pitchFamily="34" charset="0"/>
+                        <a:cs typeface="Arial" panose="020B0604020202020204" pitchFamily="34" charset="0"/>
+                      </a:rPr>
+                      <a:t>Time </a:t>
+                    </a:r>
+                    <a:r>
+                      <a:rPr lang="fr-CA" sz="1400" dirty="0" err="1" smtClean="0">
+                        <a:latin typeface="Arial" panose="020B0604020202020204" pitchFamily="34" charset="0"/>
+                        <a:cs typeface="Arial" panose="020B0604020202020204" pitchFamily="34" charset="0"/>
+                      </a:rPr>
+                      <a:t>spent</a:t>
+                    </a:r>
+                    <a:r>
+                      <a:rPr lang="fr-CA" sz="1400" dirty="0" smtClean="0">
+                        <a:latin typeface="Arial" panose="020B0604020202020204" pitchFamily="34" charset="0"/>
+                        <a:cs typeface="Arial" panose="020B0604020202020204" pitchFamily="34" charset="0"/>
+                      </a:rPr>
+                      <a:t> </a:t>
+                    </a:r>
+                    <a:r>
+                      <a:rPr lang="fr-CA" sz="1400" dirty="0" err="1" smtClean="0">
+                        <a:latin typeface="Arial" panose="020B0604020202020204" pitchFamily="34" charset="0"/>
+                        <a:cs typeface="Arial" panose="020B0604020202020204" pitchFamily="34" charset="0"/>
+                      </a:rPr>
+                      <a:t>guarding</a:t>
+                    </a:r>
+                    <a:endParaRPr lang="fr-CA" sz="1400" dirty="0">
+                      <a:latin typeface="Arial" panose="020B0604020202020204" pitchFamily="34" charset="0"/>
+                      <a:cs typeface="Arial" panose="020B0604020202020204" pitchFamily="34" charset="0"/>
+                    </a:endParaRPr>
+                  </a:p>
+                </p:txBody>
+              </p:sp>
+              <p:sp>
+                <p:nvSpPr>
+                  <p:cNvPr id="21" name="TextBox 20"/>
+                  <p:cNvSpPr txBox="1"/>
+                  <p:nvPr/>
+                </p:nvSpPr>
+                <p:spPr>
+                  <a:xfrm>
+                    <a:off x="8717360" y="6548075"/>
+                    <a:ext cx="2444400" cy="309600"/>
+                  </a:xfrm>
+                  <a:prstGeom prst="rect">
+                    <a:avLst/>
+                  </a:prstGeom>
+                  <a:noFill/>
+                </p:spPr>
+                <p:txBody>
+                  <a:bodyPr wrap="square" rtlCol="0">
+                    <a:spAutoFit/>
+                  </a:bodyPr>
+                  <a:lstStyle/>
+                  <a:p>
+                    <a:pPr algn="ctr"/>
+                    <a:r>
+                      <a:rPr lang="fr-CA" sz="1400" dirty="0" smtClean="0">
+                        <a:latin typeface="Arial" panose="020B0604020202020204" pitchFamily="34" charset="0"/>
+                        <a:cs typeface="Arial" panose="020B0604020202020204" pitchFamily="34" charset="0"/>
+                      </a:rPr>
+                      <a:t>Prey rate of space </a:t>
+                    </a:r>
+                    <a:r>
+                      <a:rPr lang="fr-CA" sz="1400" dirty="0" err="1" smtClean="0">
+                        <a:latin typeface="Arial" panose="020B0604020202020204" pitchFamily="34" charset="0"/>
+                        <a:cs typeface="Arial" panose="020B0604020202020204" pitchFamily="34" charset="0"/>
+                      </a:rPr>
+                      <a:t>covered</a:t>
+                    </a:r>
+                    <a:endParaRPr lang="fr-CA" sz="1400" dirty="0">
+                      <a:latin typeface="Arial" panose="020B0604020202020204" pitchFamily="34" charset="0"/>
+                      <a:cs typeface="Arial" panose="020B0604020202020204" pitchFamily="34" charset="0"/>
+                    </a:endParaRPr>
+                  </a:p>
+                </p:txBody>
+              </p:sp>
+              <p:sp>
+                <p:nvSpPr>
+                  <p:cNvPr id="22" name="TextBox 21"/>
+                  <p:cNvSpPr txBox="1"/>
+                  <p:nvPr/>
+                </p:nvSpPr>
+                <p:spPr>
+                  <a:xfrm rot="16200000">
+                    <a:off x="6981969" y="4983969"/>
+                    <a:ext cx="1836031" cy="309600"/>
+                  </a:xfrm>
+                  <a:prstGeom prst="rect">
+                    <a:avLst/>
+                  </a:prstGeom>
+                  <a:noFill/>
+                </p:spPr>
+                <p:txBody>
+                  <a:bodyPr wrap="square" rtlCol="0">
+                    <a:spAutoFit/>
+                  </a:bodyPr>
+                  <a:lstStyle/>
+                  <a:p>
+                    <a:pPr algn="ctr"/>
+                    <a:r>
+                      <a:rPr lang="fr-CA" sz="1400" dirty="0" smtClean="0">
+                        <a:latin typeface="Arial" panose="020B0604020202020204" pitchFamily="34" charset="0"/>
+                        <a:cs typeface="Arial" panose="020B0604020202020204" pitchFamily="34" charset="0"/>
+                      </a:rPr>
+                      <a:t>Time </a:t>
+                    </a:r>
+                    <a:r>
+                      <a:rPr lang="fr-CA" sz="1400" dirty="0" err="1" smtClean="0">
+                        <a:latin typeface="Arial" panose="020B0604020202020204" pitchFamily="34" charset="0"/>
+                        <a:cs typeface="Arial" panose="020B0604020202020204" pitchFamily="34" charset="0"/>
+                      </a:rPr>
+                      <a:t>spent</a:t>
+                    </a:r>
+                    <a:r>
+                      <a:rPr lang="fr-CA" sz="1400" dirty="0" smtClean="0">
+                        <a:latin typeface="Arial" panose="020B0604020202020204" pitchFamily="34" charset="0"/>
+                        <a:cs typeface="Arial" panose="020B0604020202020204" pitchFamily="34" charset="0"/>
+                      </a:rPr>
+                      <a:t> </a:t>
+                    </a:r>
+                    <a:r>
+                      <a:rPr lang="fr-CA" sz="1400" dirty="0" err="1" smtClean="0">
+                        <a:latin typeface="Arial" panose="020B0604020202020204" pitchFamily="34" charset="0"/>
+                        <a:cs typeface="Arial" panose="020B0604020202020204" pitchFamily="34" charset="0"/>
+                      </a:rPr>
+                      <a:t>guarding</a:t>
+                    </a:r>
+                    <a:endParaRPr lang="fr-CA" sz="1400" dirty="0">
+                      <a:latin typeface="Arial" panose="020B0604020202020204" pitchFamily="34" charset="0"/>
+                      <a:cs typeface="Arial" panose="020B0604020202020204" pitchFamily="34" charset="0"/>
+                    </a:endParaRPr>
+                  </a:p>
+                </p:txBody>
+              </p:sp>
+            </p:grpSp>
             <p:pic>
               <p:nvPicPr>
-                <p:cNvPr id="2" name="Picture 1"/>
-                <p:cNvPicPr>
-                  <a:picLocks noChangeAspect="1"/>
-                </p:cNvPicPr>
-                <p:nvPr/>
-              </p:nvPicPr>
-              <p:blipFill rotWithShape="1">
-                <a:blip r:embed="rId2"/>
-                <a:srcRect l="62406" r="6169" b="49596"/>
-                <a:stretch/>
-              </p:blipFill>
-              <p:spPr>
-                <a:xfrm>
-                  <a:off x="7981160" y="473551"/>
-                  <a:ext cx="3916800" cy="2804623"/>
-                </a:xfrm>
-                <a:prstGeom prst="rect">
-                  <a:avLst/>
-                </a:prstGeom>
-              </p:spPr>
-            </p:pic>
-            <p:pic>
-              <p:nvPicPr>
-                <p:cNvPr id="4" name="Picture 3"/>
-                <p:cNvPicPr>
-                  <a:picLocks noChangeAspect="1"/>
-                </p:cNvPicPr>
-                <p:nvPr/>
-              </p:nvPicPr>
-              <p:blipFill rotWithShape="1">
-                <a:blip r:embed="rId2"/>
-                <a:srcRect r="68466" b="49527"/>
-                <a:stretch/>
-              </p:blipFill>
-              <p:spPr>
-                <a:xfrm>
-                  <a:off x="-134848" y="463436"/>
-                  <a:ext cx="3916757" cy="2807623"/>
-                </a:xfrm>
-                <a:prstGeom prst="rect">
-                  <a:avLst/>
-                </a:prstGeom>
-                <a:ln>
-                  <a:noFill/>
-                </a:ln>
-              </p:spPr>
-            </p:pic>
-            <p:pic>
-              <p:nvPicPr>
-                <p:cNvPr id="15" name="Picture 14"/>
+                <p:cNvPr id="26" name="Picture 25"/>
                 <p:cNvPicPr>
                   <a:picLocks noChangeAspect="1"/>
                 </p:cNvPicPr>
@@ -3129,700 +3799,82 @@
               </p:nvPicPr>
               <p:blipFill rotWithShape="1">
                 <a:blip r:embed="rId3"/>
-                <a:srcRect l="191" t="50338" r="68258"/>
+                <a:srcRect l="95051" t="-1" r="-39" b="3791"/>
                 <a:stretch/>
               </p:blipFill>
               <p:spPr>
                 <a:xfrm>
-                  <a:off x="-134848" y="3789363"/>
-                  <a:ext cx="3916800" cy="2783487"/>
+                  <a:off x="11503354" y="799734"/>
+                  <a:ext cx="651932" cy="5429589"/>
                 </a:xfrm>
                 <a:prstGeom prst="rect">
                   <a:avLst/>
                 </a:prstGeom>
               </p:spPr>
             </p:pic>
-            <p:sp>
-              <p:nvSpPr>
-                <p:cNvPr id="5" name="TextBox 4"/>
-                <p:cNvSpPr txBox="1"/>
-                <p:nvPr/>
-              </p:nvSpPr>
-              <p:spPr>
-                <a:xfrm>
-                  <a:off x="1020318" y="3331205"/>
-                  <a:ext cx="1612800" cy="277200"/>
-                </a:xfrm>
-                <a:prstGeom prst="rect">
-                  <a:avLst/>
-                </a:prstGeom>
-                <a:noFill/>
-              </p:spPr>
-              <p:txBody>
-                <a:bodyPr wrap="square" rtlCol="0">
-                  <a:spAutoFit/>
-                </a:bodyPr>
-                <a:lstStyle/>
-                <a:p>
-                  <a:pPr algn="ctr"/>
-                  <a:r>
-                    <a:rPr lang="fr-CA" sz="1200" dirty="0" smtClean="0">
-                      <a:latin typeface="Arial" panose="020B0604020202020204" pitchFamily="34" charset="0"/>
-                      <a:cs typeface="Arial" panose="020B0604020202020204" pitchFamily="34" charset="0"/>
-                    </a:rPr>
-                    <a:t>Prey </a:t>
-                  </a:r>
-                  <a:r>
-                    <a:rPr lang="fr-CA" sz="1200" dirty="0" err="1" smtClean="0">
-                      <a:latin typeface="Arial" panose="020B0604020202020204" pitchFamily="34" charset="0"/>
-                      <a:cs typeface="Arial" panose="020B0604020202020204" pitchFamily="34" charset="0"/>
-                    </a:rPr>
-                    <a:t>travel</a:t>
-                  </a:r>
-                  <a:r>
-                    <a:rPr lang="fr-CA" sz="1200" dirty="0" smtClean="0">
-                      <a:latin typeface="Arial" panose="020B0604020202020204" pitchFamily="34" charset="0"/>
-                      <a:cs typeface="Arial" panose="020B0604020202020204" pitchFamily="34" charset="0"/>
-                    </a:rPr>
-                    <a:t> speed</a:t>
-                  </a:r>
-                  <a:endParaRPr lang="fr-CA" sz="1200" dirty="0">
-                    <a:latin typeface="Arial" panose="020B0604020202020204" pitchFamily="34" charset="0"/>
-                    <a:cs typeface="Arial" panose="020B0604020202020204" pitchFamily="34" charset="0"/>
-                  </a:endParaRPr>
-                </a:p>
-              </p:txBody>
-            </p:sp>
-            <p:sp>
-              <p:nvSpPr>
-                <p:cNvPr id="6" name="TextBox 5"/>
-                <p:cNvSpPr txBox="1"/>
-                <p:nvPr/>
-              </p:nvSpPr>
-              <p:spPr>
-                <a:xfrm rot="16200000">
-                  <a:off x="-1062257" y="1709596"/>
-                  <a:ext cx="1669119" cy="277200"/>
-                </a:xfrm>
-                <a:prstGeom prst="rect">
-                  <a:avLst/>
-                </a:prstGeom>
-                <a:noFill/>
-              </p:spPr>
-              <p:txBody>
-                <a:bodyPr wrap="square" rtlCol="0">
-                  <a:spAutoFit/>
-                </a:bodyPr>
-                <a:lstStyle/>
-                <a:p>
-                  <a:pPr algn="ctr"/>
-                  <a:r>
-                    <a:rPr lang="fr-CA" sz="1200" dirty="0" err="1" smtClean="0">
-                      <a:latin typeface="Arial" panose="020B0604020202020204" pitchFamily="34" charset="0"/>
-                      <a:cs typeface="Arial" panose="020B0604020202020204" pitchFamily="34" charset="0"/>
-                    </a:rPr>
-                    <a:t>Travel</a:t>
-                  </a:r>
-                  <a:r>
-                    <a:rPr lang="fr-CA" sz="1200" dirty="0" smtClean="0">
-                      <a:latin typeface="Arial" panose="020B0604020202020204" pitchFamily="34" charset="0"/>
-                      <a:cs typeface="Arial" panose="020B0604020202020204" pitchFamily="34" charset="0"/>
-                    </a:rPr>
-                    <a:t> speed</a:t>
-                  </a:r>
-                  <a:endParaRPr lang="fr-CA" sz="1200" dirty="0">
-                    <a:latin typeface="Arial" panose="020B0604020202020204" pitchFamily="34" charset="0"/>
-                    <a:cs typeface="Arial" panose="020B0604020202020204" pitchFamily="34" charset="0"/>
-                  </a:endParaRPr>
-                </a:p>
-              </p:txBody>
-            </p:sp>
-            <p:pic>
-              <p:nvPicPr>
-                <p:cNvPr id="14" name="Picture 13"/>
-                <p:cNvPicPr>
-                  <a:picLocks noChangeAspect="1"/>
-                </p:cNvPicPr>
-                <p:nvPr/>
-              </p:nvPicPr>
-              <p:blipFill rotWithShape="1">
-                <a:blip r:embed="rId3"/>
-                <a:srcRect l="32199" r="37837" b="49737"/>
-                <a:stretch/>
-              </p:blipFill>
-              <p:spPr>
-                <a:xfrm>
-                  <a:off x="3922835" y="441581"/>
-                  <a:ext cx="3916800" cy="2836593"/>
-                </a:xfrm>
-                <a:prstGeom prst="rect">
-                  <a:avLst/>
-                </a:prstGeom>
-              </p:spPr>
-            </p:pic>
-            <p:sp>
-              <p:nvSpPr>
-                <p:cNvPr id="7" name="TextBox 6"/>
-                <p:cNvSpPr txBox="1"/>
-                <p:nvPr/>
-              </p:nvSpPr>
-              <p:spPr>
-                <a:xfrm>
-                  <a:off x="4881235" y="3334893"/>
-                  <a:ext cx="2019634" cy="277200"/>
-                </a:xfrm>
-                <a:prstGeom prst="rect">
-                  <a:avLst/>
-                </a:prstGeom>
-                <a:noFill/>
-              </p:spPr>
-              <p:txBody>
-                <a:bodyPr wrap="square" rtlCol="0">
-                  <a:spAutoFit/>
-                </a:bodyPr>
-                <a:lstStyle/>
-                <a:p>
-                  <a:pPr algn="ctr"/>
-                  <a:r>
-                    <a:rPr lang="fr-CA" sz="1200" dirty="0" smtClean="0">
-                      <a:latin typeface="Arial" panose="020B0604020202020204" pitchFamily="34" charset="0"/>
-                      <a:cs typeface="Arial" panose="020B0604020202020204" pitchFamily="34" charset="0"/>
-                    </a:rPr>
-                    <a:t>Prey rate of space </a:t>
-                  </a:r>
-                  <a:r>
-                    <a:rPr lang="fr-CA" sz="1200" dirty="0" err="1" smtClean="0">
-                      <a:latin typeface="Arial" panose="020B0604020202020204" pitchFamily="34" charset="0"/>
-                      <a:cs typeface="Arial" panose="020B0604020202020204" pitchFamily="34" charset="0"/>
-                    </a:rPr>
-                    <a:t>covered</a:t>
-                  </a:r>
-                  <a:endParaRPr lang="fr-CA" sz="1200" dirty="0">
-                    <a:latin typeface="Arial" panose="020B0604020202020204" pitchFamily="34" charset="0"/>
-                    <a:cs typeface="Arial" panose="020B0604020202020204" pitchFamily="34" charset="0"/>
-                  </a:endParaRPr>
-                </a:p>
-              </p:txBody>
-            </p:sp>
-            <p:sp>
-              <p:nvSpPr>
-                <p:cNvPr id="8" name="TextBox 7"/>
-                <p:cNvSpPr txBox="1"/>
-                <p:nvPr/>
-              </p:nvSpPr>
-              <p:spPr>
-                <a:xfrm rot="16200000">
-                  <a:off x="3238348" y="1717820"/>
-                  <a:ext cx="1254034" cy="276999"/>
-                </a:xfrm>
-                <a:prstGeom prst="rect">
-                  <a:avLst/>
-                </a:prstGeom>
-                <a:noFill/>
-              </p:spPr>
-              <p:txBody>
-                <a:bodyPr wrap="square" rtlCol="0">
-                  <a:spAutoFit/>
-                </a:bodyPr>
-                <a:lstStyle/>
-                <a:p>
-                  <a:pPr algn="ctr"/>
-                  <a:r>
-                    <a:rPr lang="fr-CA" sz="1200" dirty="0" err="1" smtClean="0">
-                      <a:latin typeface="Arial" panose="020B0604020202020204" pitchFamily="34" charset="0"/>
-                      <a:cs typeface="Arial" panose="020B0604020202020204" pitchFamily="34" charset="0"/>
-                    </a:rPr>
-                    <a:t>Travel</a:t>
-                  </a:r>
-                  <a:r>
-                    <a:rPr lang="fr-CA" sz="1200" dirty="0" smtClean="0">
-                      <a:latin typeface="Arial" panose="020B0604020202020204" pitchFamily="34" charset="0"/>
-                      <a:cs typeface="Arial" panose="020B0604020202020204" pitchFamily="34" charset="0"/>
-                    </a:rPr>
-                    <a:t> speed</a:t>
-                  </a:r>
-                  <a:endParaRPr lang="fr-CA" sz="1200" dirty="0">
-                    <a:latin typeface="Arial" panose="020B0604020202020204" pitchFamily="34" charset="0"/>
-                    <a:cs typeface="Arial" panose="020B0604020202020204" pitchFamily="34" charset="0"/>
-                  </a:endParaRPr>
-                </a:p>
-              </p:txBody>
-            </p:sp>
-            <p:pic>
-              <p:nvPicPr>
-                <p:cNvPr id="17" name="Picture 16"/>
-                <p:cNvPicPr>
-                  <a:picLocks noChangeAspect="1"/>
-                </p:cNvPicPr>
-                <p:nvPr/>
-              </p:nvPicPr>
-              <p:blipFill rotWithShape="1">
-                <a:blip r:embed="rId3"/>
-                <a:srcRect l="32200" t="50338" r="38083"/>
-                <a:stretch/>
-              </p:blipFill>
-              <p:spPr>
-                <a:xfrm>
-                  <a:off x="3922834" y="3789361"/>
-                  <a:ext cx="3916800" cy="2783489"/>
-                </a:xfrm>
-                <a:prstGeom prst="rect">
-                  <a:avLst/>
-                </a:prstGeom>
-              </p:spPr>
-            </p:pic>
-            <p:pic>
-              <p:nvPicPr>
-                <p:cNvPr id="18" name="Picture 17"/>
-                <p:cNvPicPr>
-                  <a:picLocks noChangeAspect="1"/>
-                </p:cNvPicPr>
-                <p:nvPr/>
-              </p:nvPicPr>
-              <p:blipFill rotWithShape="1">
-                <a:blip r:embed="rId3"/>
-                <a:srcRect l="62452" t="50324" r="6150" b="1015"/>
-                <a:stretch/>
-              </p:blipFill>
-              <p:spPr>
-                <a:xfrm>
-                  <a:off x="7982171" y="3789361"/>
-                  <a:ext cx="3916800" cy="2738439"/>
-                </a:xfrm>
-                <a:prstGeom prst="rect">
-                  <a:avLst/>
-                </a:prstGeom>
-              </p:spPr>
-            </p:pic>
-            <p:sp>
-              <p:nvSpPr>
-                <p:cNvPr id="9" name="TextBox 8"/>
-                <p:cNvSpPr txBox="1"/>
-                <p:nvPr/>
-              </p:nvSpPr>
-              <p:spPr>
-                <a:xfrm>
-                  <a:off x="9133160" y="3331361"/>
-                  <a:ext cx="1612800" cy="277200"/>
-                </a:xfrm>
-                <a:prstGeom prst="rect">
-                  <a:avLst/>
-                </a:prstGeom>
-                <a:noFill/>
-              </p:spPr>
-              <p:txBody>
-                <a:bodyPr wrap="square" rtlCol="0">
-                  <a:spAutoFit/>
-                </a:bodyPr>
-                <a:lstStyle/>
-                <a:p>
-                  <a:pPr algn="ctr"/>
-                  <a:r>
-                    <a:rPr lang="fr-CA" sz="1200" dirty="0" smtClean="0">
-                      <a:latin typeface="Arial" panose="020B0604020202020204" pitchFamily="34" charset="0"/>
-                      <a:cs typeface="Arial" panose="020B0604020202020204" pitchFamily="34" charset="0"/>
-                    </a:rPr>
-                    <a:t>Prey </a:t>
-                  </a:r>
-                  <a:r>
-                    <a:rPr lang="fr-CA" sz="1200" dirty="0" err="1" smtClean="0">
-                      <a:latin typeface="Arial" panose="020B0604020202020204" pitchFamily="34" charset="0"/>
-                      <a:cs typeface="Arial" panose="020B0604020202020204" pitchFamily="34" charset="0"/>
-                    </a:rPr>
-                    <a:t>travel</a:t>
-                  </a:r>
-                  <a:r>
-                    <a:rPr lang="fr-CA" sz="1200" dirty="0" smtClean="0">
-                      <a:latin typeface="Arial" panose="020B0604020202020204" pitchFamily="34" charset="0"/>
-                      <a:cs typeface="Arial" panose="020B0604020202020204" pitchFamily="34" charset="0"/>
-                    </a:rPr>
-                    <a:t> speed</a:t>
-                  </a:r>
-                  <a:endParaRPr lang="fr-CA" sz="1200" dirty="0">
-                    <a:latin typeface="Arial" panose="020B0604020202020204" pitchFamily="34" charset="0"/>
-                    <a:cs typeface="Arial" panose="020B0604020202020204" pitchFamily="34" charset="0"/>
-                  </a:endParaRPr>
-                </a:p>
-              </p:txBody>
-            </p:sp>
-            <p:sp>
-              <p:nvSpPr>
-                <p:cNvPr id="10" name="TextBox 9"/>
-                <p:cNvSpPr txBox="1"/>
-                <p:nvPr/>
-              </p:nvSpPr>
-              <p:spPr>
-                <a:xfrm rot="16200000">
-                  <a:off x="6958232" y="1737362"/>
-                  <a:ext cx="1836000" cy="276999"/>
-                </a:xfrm>
-                <a:prstGeom prst="rect">
-                  <a:avLst/>
-                </a:prstGeom>
-                <a:noFill/>
-              </p:spPr>
-              <p:txBody>
-                <a:bodyPr wrap="square" rtlCol="0">
-                  <a:spAutoFit/>
-                </a:bodyPr>
-                <a:lstStyle/>
-                <a:p>
-                  <a:pPr algn="ctr"/>
-                  <a:r>
-                    <a:rPr lang="fr-CA" sz="1200" dirty="0" smtClean="0">
-                      <a:latin typeface="Arial" panose="020B0604020202020204" pitchFamily="34" charset="0"/>
-                      <a:cs typeface="Arial" panose="020B0604020202020204" pitchFamily="34" charset="0"/>
-                    </a:rPr>
-                    <a:t>Rate of space </a:t>
-                  </a:r>
-                  <a:r>
-                    <a:rPr lang="fr-CA" sz="1200" dirty="0" err="1" smtClean="0">
-                      <a:latin typeface="Arial" panose="020B0604020202020204" pitchFamily="34" charset="0"/>
-                      <a:cs typeface="Arial" panose="020B0604020202020204" pitchFamily="34" charset="0"/>
-                    </a:rPr>
-                    <a:t>covered</a:t>
-                  </a:r>
-                  <a:endParaRPr lang="fr-CA" sz="1200" dirty="0">
-                    <a:latin typeface="Arial" panose="020B0604020202020204" pitchFamily="34" charset="0"/>
-                    <a:cs typeface="Arial" panose="020B0604020202020204" pitchFamily="34" charset="0"/>
-                  </a:endParaRPr>
-                </a:p>
-              </p:txBody>
-            </p:sp>
-            <p:sp>
-              <p:nvSpPr>
-                <p:cNvPr id="12" name="TextBox 11"/>
-                <p:cNvSpPr txBox="1"/>
-                <p:nvPr/>
-              </p:nvSpPr>
-              <p:spPr>
-                <a:xfrm>
-                  <a:off x="813713" y="6548076"/>
-                  <a:ext cx="2019634" cy="277200"/>
-                </a:xfrm>
-                <a:prstGeom prst="rect">
-                  <a:avLst/>
-                </a:prstGeom>
-                <a:noFill/>
-              </p:spPr>
-              <p:txBody>
-                <a:bodyPr wrap="square" rtlCol="0">
-                  <a:spAutoFit/>
-                </a:bodyPr>
-                <a:lstStyle/>
-                <a:p>
-                  <a:pPr algn="ctr"/>
-                  <a:r>
-                    <a:rPr lang="fr-CA" sz="1200" dirty="0" smtClean="0">
-                      <a:latin typeface="Arial" panose="020B0604020202020204" pitchFamily="34" charset="0"/>
-                      <a:cs typeface="Arial" panose="020B0604020202020204" pitchFamily="34" charset="0"/>
-                    </a:rPr>
-                    <a:t>Prey rate of space </a:t>
-                  </a:r>
-                  <a:r>
-                    <a:rPr lang="fr-CA" sz="1200" dirty="0" err="1" smtClean="0">
-                      <a:latin typeface="Arial" panose="020B0604020202020204" pitchFamily="34" charset="0"/>
-                      <a:cs typeface="Arial" panose="020B0604020202020204" pitchFamily="34" charset="0"/>
-                    </a:rPr>
-                    <a:t>covered</a:t>
-                  </a:r>
-                  <a:endParaRPr lang="fr-CA" sz="1200" dirty="0">
-                    <a:latin typeface="Arial" panose="020B0604020202020204" pitchFamily="34" charset="0"/>
-                    <a:cs typeface="Arial" panose="020B0604020202020204" pitchFamily="34" charset="0"/>
-                  </a:endParaRPr>
-                </a:p>
-              </p:txBody>
-            </p:sp>
-            <p:sp>
-              <p:nvSpPr>
-                <p:cNvPr id="13" name="TextBox 12"/>
-                <p:cNvSpPr txBox="1"/>
-                <p:nvPr/>
-              </p:nvSpPr>
-              <p:spPr>
-                <a:xfrm rot="16200000">
-                  <a:off x="-1151696" y="4976557"/>
-                  <a:ext cx="1836031" cy="277200"/>
-                </a:xfrm>
-                <a:prstGeom prst="rect">
-                  <a:avLst/>
-                </a:prstGeom>
-                <a:noFill/>
-              </p:spPr>
-              <p:txBody>
-                <a:bodyPr wrap="square" rtlCol="0">
-                  <a:spAutoFit/>
-                </a:bodyPr>
-                <a:lstStyle/>
-                <a:p>
-                  <a:pPr algn="ctr"/>
-                  <a:r>
-                    <a:rPr lang="fr-CA" sz="1200" dirty="0" smtClean="0">
-                      <a:latin typeface="Arial" panose="020B0604020202020204" pitchFamily="34" charset="0"/>
-                      <a:cs typeface="Arial" panose="020B0604020202020204" pitchFamily="34" charset="0"/>
-                    </a:rPr>
-                    <a:t>Rate of space </a:t>
-                  </a:r>
-                  <a:r>
-                    <a:rPr lang="fr-CA" sz="1200" dirty="0" err="1" smtClean="0">
-                      <a:latin typeface="Arial" panose="020B0604020202020204" pitchFamily="34" charset="0"/>
-                      <a:cs typeface="Arial" panose="020B0604020202020204" pitchFamily="34" charset="0"/>
-                    </a:rPr>
-                    <a:t>covered</a:t>
-                  </a:r>
-                  <a:endParaRPr lang="fr-CA" sz="1200" dirty="0">
-                    <a:latin typeface="Arial" panose="020B0604020202020204" pitchFamily="34" charset="0"/>
-                    <a:cs typeface="Arial" panose="020B0604020202020204" pitchFamily="34" charset="0"/>
-                  </a:endParaRPr>
-                </a:p>
-              </p:txBody>
-            </p:sp>
-            <p:sp>
-              <p:nvSpPr>
-                <p:cNvPr id="19" name="TextBox 18"/>
-                <p:cNvSpPr txBox="1"/>
-                <p:nvPr/>
-              </p:nvSpPr>
-              <p:spPr>
-                <a:xfrm>
-                  <a:off x="5084652" y="6548075"/>
-                  <a:ext cx="1612800" cy="276999"/>
-                </a:xfrm>
-                <a:prstGeom prst="rect">
-                  <a:avLst/>
-                </a:prstGeom>
-                <a:noFill/>
-              </p:spPr>
-              <p:txBody>
-                <a:bodyPr wrap="square" rtlCol="0">
-                  <a:spAutoFit/>
-                </a:bodyPr>
-                <a:lstStyle/>
-                <a:p>
-                  <a:pPr algn="ctr"/>
-                  <a:r>
-                    <a:rPr lang="fr-CA" sz="1200" dirty="0" smtClean="0">
-                      <a:latin typeface="Arial" panose="020B0604020202020204" pitchFamily="34" charset="0"/>
-                      <a:cs typeface="Arial" panose="020B0604020202020204" pitchFamily="34" charset="0"/>
-                    </a:rPr>
-                    <a:t>Prey </a:t>
-                  </a:r>
-                  <a:r>
-                    <a:rPr lang="fr-CA" sz="1200" dirty="0" err="1" smtClean="0">
-                      <a:latin typeface="Arial" panose="020B0604020202020204" pitchFamily="34" charset="0"/>
-                      <a:cs typeface="Arial" panose="020B0604020202020204" pitchFamily="34" charset="0"/>
-                    </a:rPr>
-                    <a:t>travel</a:t>
-                  </a:r>
-                  <a:r>
-                    <a:rPr lang="fr-CA" sz="1200" dirty="0" smtClean="0">
-                      <a:latin typeface="Arial" panose="020B0604020202020204" pitchFamily="34" charset="0"/>
-                      <a:cs typeface="Arial" panose="020B0604020202020204" pitchFamily="34" charset="0"/>
-                    </a:rPr>
-                    <a:t> speed</a:t>
-                  </a:r>
-                  <a:endParaRPr lang="fr-CA" sz="1200" dirty="0">
-                    <a:latin typeface="Arial" panose="020B0604020202020204" pitchFamily="34" charset="0"/>
-                    <a:cs typeface="Arial" panose="020B0604020202020204" pitchFamily="34" charset="0"/>
-                  </a:endParaRPr>
-                </a:p>
-              </p:txBody>
-            </p:sp>
-            <p:sp>
-              <p:nvSpPr>
-                <p:cNvPr id="20" name="TextBox 19"/>
-                <p:cNvSpPr txBox="1"/>
-                <p:nvPr/>
-              </p:nvSpPr>
-              <p:spPr>
-                <a:xfrm rot="16200000">
-                  <a:off x="3037717" y="5017456"/>
-                  <a:ext cx="1669119" cy="277200"/>
-                </a:xfrm>
-                <a:prstGeom prst="rect">
-                  <a:avLst/>
-                </a:prstGeom>
-                <a:noFill/>
-              </p:spPr>
-              <p:txBody>
-                <a:bodyPr wrap="square" rtlCol="0">
-                  <a:spAutoFit/>
-                </a:bodyPr>
-                <a:lstStyle/>
-                <a:p>
-                  <a:pPr algn="ctr"/>
-                  <a:r>
-                    <a:rPr lang="fr-CA" sz="1200" dirty="0" smtClean="0">
-                      <a:latin typeface="Arial" panose="020B0604020202020204" pitchFamily="34" charset="0"/>
-                      <a:cs typeface="Arial" panose="020B0604020202020204" pitchFamily="34" charset="0"/>
-                    </a:rPr>
-                    <a:t>Time </a:t>
-                  </a:r>
-                  <a:r>
-                    <a:rPr lang="fr-CA" sz="1200" dirty="0" err="1" smtClean="0">
-                      <a:latin typeface="Arial" panose="020B0604020202020204" pitchFamily="34" charset="0"/>
-                      <a:cs typeface="Arial" panose="020B0604020202020204" pitchFamily="34" charset="0"/>
-                    </a:rPr>
-                    <a:t>spent</a:t>
-                  </a:r>
-                  <a:r>
-                    <a:rPr lang="fr-CA" sz="1200" dirty="0" smtClean="0">
-                      <a:latin typeface="Arial" panose="020B0604020202020204" pitchFamily="34" charset="0"/>
-                      <a:cs typeface="Arial" panose="020B0604020202020204" pitchFamily="34" charset="0"/>
-                    </a:rPr>
-                    <a:t> </a:t>
-                  </a:r>
-                  <a:r>
-                    <a:rPr lang="fr-CA" sz="1200" dirty="0" err="1" smtClean="0">
-                      <a:latin typeface="Arial" panose="020B0604020202020204" pitchFamily="34" charset="0"/>
-                      <a:cs typeface="Arial" panose="020B0604020202020204" pitchFamily="34" charset="0"/>
-                    </a:rPr>
-                    <a:t>guarding</a:t>
-                  </a:r>
-                  <a:endParaRPr lang="fr-CA" sz="1200" dirty="0">
-                    <a:latin typeface="Arial" panose="020B0604020202020204" pitchFamily="34" charset="0"/>
-                    <a:cs typeface="Arial" panose="020B0604020202020204" pitchFamily="34" charset="0"/>
-                  </a:endParaRPr>
-                </a:p>
-              </p:txBody>
-            </p:sp>
-            <p:sp>
-              <p:nvSpPr>
-                <p:cNvPr id="21" name="TextBox 20"/>
-                <p:cNvSpPr txBox="1"/>
-                <p:nvPr/>
-              </p:nvSpPr>
-              <p:spPr>
-                <a:xfrm>
-                  <a:off x="8929760" y="6548075"/>
-                  <a:ext cx="2019600" cy="276999"/>
-                </a:xfrm>
-                <a:prstGeom prst="rect">
-                  <a:avLst/>
-                </a:prstGeom>
-                <a:noFill/>
-              </p:spPr>
-              <p:txBody>
-                <a:bodyPr wrap="square" rtlCol="0">
-                  <a:spAutoFit/>
-                </a:bodyPr>
-                <a:lstStyle/>
-                <a:p>
-                  <a:pPr algn="ctr"/>
-                  <a:r>
-                    <a:rPr lang="fr-CA" sz="1200" dirty="0" smtClean="0">
-                      <a:latin typeface="Arial" panose="020B0604020202020204" pitchFamily="34" charset="0"/>
-                      <a:cs typeface="Arial" panose="020B0604020202020204" pitchFamily="34" charset="0"/>
-                    </a:rPr>
-                    <a:t>Prey rate of space </a:t>
-                  </a:r>
-                  <a:r>
-                    <a:rPr lang="fr-CA" sz="1200" dirty="0" err="1" smtClean="0">
-                      <a:latin typeface="Arial" panose="020B0604020202020204" pitchFamily="34" charset="0"/>
-                      <a:cs typeface="Arial" panose="020B0604020202020204" pitchFamily="34" charset="0"/>
-                    </a:rPr>
-                    <a:t>covered</a:t>
-                  </a:r>
-                  <a:endParaRPr lang="fr-CA" sz="1200" dirty="0">
-                    <a:latin typeface="Arial" panose="020B0604020202020204" pitchFamily="34" charset="0"/>
-                    <a:cs typeface="Arial" panose="020B0604020202020204" pitchFamily="34" charset="0"/>
-                  </a:endParaRPr>
-                </a:p>
-              </p:txBody>
-            </p:sp>
-            <p:sp>
-              <p:nvSpPr>
-                <p:cNvPr id="22" name="TextBox 21"/>
-                <p:cNvSpPr txBox="1"/>
-                <p:nvPr/>
-              </p:nvSpPr>
-              <p:spPr>
-                <a:xfrm rot="16200000">
-                  <a:off x="7053699" y="5042504"/>
-                  <a:ext cx="1669119" cy="277200"/>
-                </a:xfrm>
-                <a:prstGeom prst="rect">
-                  <a:avLst/>
-                </a:prstGeom>
-                <a:noFill/>
-              </p:spPr>
-              <p:txBody>
-                <a:bodyPr wrap="square" rtlCol="0">
-                  <a:spAutoFit/>
-                </a:bodyPr>
-                <a:lstStyle/>
-                <a:p>
-                  <a:pPr algn="ctr"/>
-                  <a:r>
-                    <a:rPr lang="fr-CA" sz="1200" dirty="0" smtClean="0">
-                      <a:latin typeface="Arial" panose="020B0604020202020204" pitchFamily="34" charset="0"/>
-                      <a:cs typeface="Arial" panose="020B0604020202020204" pitchFamily="34" charset="0"/>
-                    </a:rPr>
-                    <a:t>Time </a:t>
-                  </a:r>
-                  <a:r>
-                    <a:rPr lang="fr-CA" sz="1200" dirty="0" err="1" smtClean="0">
-                      <a:latin typeface="Arial" panose="020B0604020202020204" pitchFamily="34" charset="0"/>
-                      <a:cs typeface="Arial" panose="020B0604020202020204" pitchFamily="34" charset="0"/>
-                    </a:rPr>
-                    <a:t>spent</a:t>
-                  </a:r>
-                  <a:r>
-                    <a:rPr lang="fr-CA" sz="1200" dirty="0" smtClean="0">
-                      <a:latin typeface="Arial" panose="020B0604020202020204" pitchFamily="34" charset="0"/>
-                      <a:cs typeface="Arial" panose="020B0604020202020204" pitchFamily="34" charset="0"/>
-                    </a:rPr>
-                    <a:t> </a:t>
-                  </a:r>
-                  <a:r>
-                    <a:rPr lang="fr-CA" sz="1200" dirty="0" err="1" smtClean="0">
-                      <a:latin typeface="Arial" panose="020B0604020202020204" pitchFamily="34" charset="0"/>
-                      <a:cs typeface="Arial" panose="020B0604020202020204" pitchFamily="34" charset="0"/>
-                    </a:rPr>
-                    <a:t>guarding</a:t>
-                  </a:r>
-                  <a:endParaRPr lang="fr-CA" sz="1200" dirty="0">
-                    <a:latin typeface="Arial" panose="020B0604020202020204" pitchFamily="34" charset="0"/>
-                    <a:cs typeface="Arial" panose="020B0604020202020204" pitchFamily="34" charset="0"/>
-                  </a:endParaRPr>
-                </a:p>
-              </p:txBody>
-            </p:sp>
           </p:grpSp>
-          <p:pic>
-            <p:nvPicPr>
-              <p:cNvPr id="26" name="Picture 25"/>
-              <p:cNvPicPr>
-                <a:picLocks noChangeAspect="1"/>
-              </p:cNvPicPr>
+          <p:sp>
+            <p:nvSpPr>
+              <p:cNvPr id="30" name="TextBox 29"/>
+              <p:cNvSpPr txBox="1"/>
               <p:nvPr/>
-            </p:nvPicPr>
-            <p:blipFill rotWithShape="1">
-              <a:blip r:embed="rId3"/>
-              <a:srcRect l="95051" t="-1" r="-39" b="3791"/>
-              <a:stretch/>
-            </p:blipFill>
+            </p:nvSpPr>
             <p:spPr>
               <a:xfrm>
-                <a:off x="11503354" y="689663"/>
-                <a:ext cx="651932" cy="5429589"/>
+                <a:off x="12505003" y="70484"/>
+                <a:ext cx="1109664" cy="523220"/>
               </a:xfrm>
               <a:prstGeom prst="rect">
                 <a:avLst/>
               </a:prstGeom>
+              <a:noFill/>
             </p:spPr>
-          </p:pic>
+            <p:txBody>
+              <a:bodyPr wrap="square" rtlCol="0">
+                <a:spAutoFit/>
+              </a:bodyPr>
+              <a:lstStyle/>
+              <a:p>
+                <a:pPr algn="ctr"/>
+                <a:r>
+                  <a:rPr lang="fr-CA" sz="1400" dirty="0" err="1" smtClean="0">
+                    <a:latin typeface="Arial" panose="020B0604020202020204" pitchFamily="34" charset="0"/>
+                    <a:cs typeface="Arial" panose="020B0604020202020204" pitchFamily="34" charset="0"/>
+                  </a:rPr>
+                  <a:t>Hunting</a:t>
+                </a:r>
+                <a:r>
+                  <a:rPr lang="fr-CA" sz="1400" dirty="0" smtClean="0">
+                    <a:latin typeface="Arial" panose="020B0604020202020204" pitchFamily="34" charset="0"/>
+                    <a:cs typeface="Arial" panose="020B0604020202020204" pitchFamily="34" charset="0"/>
+                  </a:rPr>
+                  <a:t> </a:t>
+                </a:r>
+                <a:r>
+                  <a:rPr lang="fr-CA" sz="1400" dirty="0" err="1" smtClean="0">
+                    <a:latin typeface="Arial" panose="020B0604020202020204" pitchFamily="34" charset="0"/>
+                    <a:cs typeface="Arial" panose="020B0604020202020204" pitchFamily="34" charset="0"/>
+                  </a:rPr>
+                  <a:t>success</a:t>
+                </a:r>
+                <a:endParaRPr lang="fr-CA" sz="1400" dirty="0">
+                  <a:latin typeface="Arial" panose="020B0604020202020204" pitchFamily="34" charset="0"/>
+                  <a:cs typeface="Arial" panose="020B0604020202020204" pitchFamily="34" charset="0"/>
+                </a:endParaRPr>
+              </a:p>
+            </p:txBody>
+          </p:sp>
         </p:grpSp>
         <p:sp>
           <p:nvSpPr>
-            <p:cNvPr id="30" name="TextBox 29"/>
+            <p:cNvPr id="3" name="TextBox 2"/>
             <p:cNvSpPr txBox="1"/>
             <p:nvPr/>
           </p:nvSpPr>
           <p:spPr>
             <a:xfrm>
-              <a:off x="12505003" y="19682"/>
-              <a:ext cx="1109664" cy="461665"/>
+              <a:off x="897482" y="3093171"/>
+              <a:ext cx="464742" cy="276999"/>
             </a:xfrm>
             <a:prstGeom prst="rect">
               <a:avLst/>
@@ -3835,29 +3887,194 @@
             </a:bodyPr>
             <a:lstStyle/>
             <a:p>
-              <a:pPr algn="ctr"/>
               <a:r>
-                <a:rPr lang="fr-CA" sz="1200" dirty="0" err="1" smtClean="0">
+                <a:rPr lang="fr-CA" sz="1200" b="1" dirty="0" smtClean="0">
                   <a:latin typeface="Arial" panose="020B0604020202020204" pitchFamily="34" charset="0"/>
                   <a:cs typeface="Arial" panose="020B0604020202020204" pitchFamily="34" charset="0"/>
                 </a:rPr>
-                <a:t>Hunting</a:t>
+                <a:t>(D)</a:t>
               </a:r>
+              <a:endParaRPr lang="fr-CA" sz="1200" b="1" dirty="0">
+                <a:latin typeface="Arial" panose="020B0604020202020204" pitchFamily="34" charset="0"/>
+                <a:cs typeface="Arial" panose="020B0604020202020204" pitchFamily="34" charset="0"/>
+              </a:endParaRPr>
+            </a:p>
+          </p:txBody>
+        </p:sp>
+        <p:sp>
+          <p:nvSpPr>
+            <p:cNvPr id="28" name="TextBox 27"/>
+            <p:cNvSpPr txBox="1"/>
+            <p:nvPr/>
+          </p:nvSpPr>
+          <p:spPr>
+            <a:xfrm>
+              <a:off x="880547" y="-112697"/>
+              <a:ext cx="464742" cy="276999"/>
+            </a:xfrm>
+            <a:prstGeom prst="rect">
+              <a:avLst/>
+            </a:prstGeom>
+            <a:noFill/>
+          </p:spPr>
+          <p:txBody>
+            <a:bodyPr wrap="square" rtlCol="0">
+              <a:spAutoFit/>
+            </a:bodyPr>
+            <a:lstStyle/>
+            <a:p>
               <a:r>
-                <a:rPr lang="fr-CA" sz="1200" dirty="0" smtClean="0">
+                <a:rPr lang="fr-CA" sz="1200" b="1" dirty="0" smtClean="0">
                   <a:latin typeface="Arial" panose="020B0604020202020204" pitchFamily="34" charset="0"/>
                   <a:cs typeface="Arial" panose="020B0604020202020204" pitchFamily="34" charset="0"/>
                 </a:rPr>
-                <a:t> </a:t>
+                <a:t>(A)</a:t>
               </a:r>
+              <a:endParaRPr lang="fr-CA" sz="1200" b="1" dirty="0">
+                <a:latin typeface="Arial" panose="020B0604020202020204" pitchFamily="34" charset="0"/>
+                <a:cs typeface="Arial" panose="020B0604020202020204" pitchFamily="34" charset="0"/>
+              </a:endParaRPr>
+            </a:p>
+          </p:txBody>
+        </p:sp>
+        <p:sp>
+          <p:nvSpPr>
+            <p:cNvPr id="29" name="TextBox 28"/>
+            <p:cNvSpPr txBox="1"/>
+            <p:nvPr/>
+          </p:nvSpPr>
+          <p:spPr>
+            <a:xfrm>
+              <a:off x="4955817" y="-119566"/>
+              <a:ext cx="464742" cy="276999"/>
+            </a:xfrm>
+            <a:prstGeom prst="rect">
+              <a:avLst/>
+            </a:prstGeom>
+            <a:noFill/>
+          </p:spPr>
+          <p:txBody>
+            <a:bodyPr wrap="square" rtlCol="0">
+              <a:spAutoFit/>
+            </a:bodyPr>
+            <a:lstStyle/>
+            <a:p>
               <a:r>
-                <a:rPr lang="fr-CA" sz="1200" dirty="0" err="1" smtClean="0">
+                <a:rPr lang="fr-CA" sz="1200" b="1" dirty="0" smtClean="0">
                   <a:latin typeface="Arial" panose="020B0604020202020204" pitchFamily="34" charset="0"/>
                   <a:cs typeface="Arial" panose="020B0604020202020204" pitchFamily="34" charset="0"/>
                 </a:rPr>
-                <a:t>success</a:t>
+                <a:t>(B)</a:t>
               </a:r>
-              <a:endParaRPr lang="fr-CA" sz="1200" dirty="0">
+              <a:endParaRPr lang="fr-CA" sz="1200" b="1" dirty="0">
+                <a:latin typeface="Arial" panose="020B0604020202020204" pitchFamily="34" charset="0"/>
+                <a:cs typeface="Arial" panose="020B0604020202020204" pitchFamily="34" charset="0"/>
+              </a:endParaRPr>
+            </a:p>
+          </p:txBody>
+        </p:sp>
+        <p:sp>
+          <p:nvSpPr>
+            <p:cNvPr id="32" name="TextBox 31"/>
+            <p:cNvSpPr txBox="1"/>
+            <p:nvPr/>
+          </p:nvSpPr>
+          <p:spPr>
+            <a:xfrm>
+              <a:off x="8993855" y="-118221"/>
+              <a:ext cx="464742" cy="276999"/>
+            </a:xfrm>
+            <a:prstGeom prst="rect">
+              <a:avLst/>
+            </a:prstGeom>
+            <a:noFill/>
+          </p:spPr>
+          <p:txBody>
+            <a:bodyPr wrap="square" rtlCol="0">
+              <a:spAutoFit/>
+            </a:bodyPr>
+            <a:lstStyle/>
+            <a:p>
+              <a:r>
+                <a:rPr lang="fr-CA" sz="1200" b="1" dirty="0" smtClean="0">
+                  <a:latin typeface="Arial" panose="020B0604020202020204" pitchFamily="34" charset="0"/>
+                  <a:cs typeface="Arial" panose="020B0604020202020204" pitchFamily="34" charset="0"/>
+                </a:rPr>
+                <a:t>(C)</a:t>
+              </a:r>
+              <a:endParaRPr lang="fr-CA" sz="1200" b="1" dirty="0">
+                <a:latin typeface="Arial" panose="020B0604020202020204" pitchFamily="34" charset="0"/>
+                <a:cs typeface="Arial" panose="020B0604020202020204" pitchFamily="34" charset="0"/>
+              </a:endParaRPr>
+            </a:p>
+          </p:txBody>
+        </p:sp>
+        <p:sp>
+          <p:nvSpPr>
+            <p:cNvPr id="33" name="TextBox 32"/>
+            <p:cNvSpPr txBox="1"/>
+            <p:nvPr/>
+          </p:nvSpPr>
+          <p:spPr>
+            <a:xfrm>
+              <a:off x="4958276" y="3091682"/>
+              <a:ext cx="422493" cy="276999"/>
+            </a:xfrm>
+            <a:prstGeom prst="rect">
+              <a:avLst/>
+            </a:prstGeom>
+            <a:noFill/>
+          </p:spPr>
+          <p:txBody>
+            <a:bodyPr wrap="square" rtlCol="0">
+              <a:spAutoFit/>
+            </a:bodyPr>
+            <a:lstStyle/>
+            <a:p>
+              <a:r>
+                <a:rPr lang="fr-CA" sz="1200" b="1" dirty="0" smtClean="0">
+                  <a:latin typeface="Arial" panose="020B0604020202020204" pitchFamily="34" charset="0"/>
+                  <a:cs typeface="Arial" panose="020B0604020202020204" pitchFamily="34" charset="0"/>
+                </a:rPr>
+                <a:t>(E)</a:t>
+              </a:r>
+              <a:endParaRPr lang="fr-CA" sz="1200" b="1" dirty="0">
+                <a:latin typeface="Arial" panose="020B0604020202020204" pitchFamily="34" charset="0"/>
+                <a:cs typeface="Arial" panose="020B0604020202020204" pitchFamily="34" charset="0"/>
+              </a:endParaRPr>
+            </a:p>
+          </p:txBody>
+        </p:sp>
+        <p:sp>
+          <p:nvSpPr>
+            <p:cNvPr id="34" name="TextBox 33"/>
+            <p:cNvSpPr txBox="1"/>
+            <p:nvPr/>
+          </p:nvSpPr>
+          <p:spPr>
+            <a:xfrm>
+              <a:off x="8998046" y="3084241"/>
+              <a:ext cx="422493" cy="276999"/>
+            </a:xfrm>
+            <a:prstGeom prst="rect">
+              <a:avLst/>
+            </a:prstGeom>
+            <a:noFill/>
+          </p:spPr>
+          <p:txBody>
+            <a:bodyPr wrap="square" rtlCol="0">
+              <a:spAutoFit/>
+            </a:bodyPr>
+            <a:lstStyle/>
+            <a:p>
+              <a:r>
+                <a:rPr lang="fr-CA" sz="1200" b="1" dirty="0" smtClean="0">
+                  <a:latin typeface="Arial" panose="020B0604020202020204" pitchFamily="34" charset="0"/>
+                  <a:cs typeface="Arial" panose="020B0604020202020204" pitchFamily="34" charset="0"/>
+                </a:rPr>
+                <a:t>(F)</a:t>
+              </a:r>
+              <a:endParaRPr lang="fr-CA" sz="1200" b="1" dirty="0">
                 <a:latin typeface="Arial" panose="020B0604020202020204" pitchFamily="34" charset="0"/>
                 <a:cs typeface="Arial" panose="020B0604020202020204" pitchFamily="34" charset="0"/>
               </a:endParaRPr>
